--- a/Slides/1 概述/About PhysX.pptx
+++ b/Slides/1 概述/About PhysX.pptx
@@ -10,6 +10,7 @@
     <p:sldId id="258" r:id="rId4"/>
     <p:sldId id="260" r:id="rId5"/>
     <p:sldId id="259" r:id="rId6"/>
+    <p:sldId id="261" r:id="rId7"/>
   </p:sldIdLst>
   <p:sldSz cx="9144000" cy="6858000" type="screen4x3"/>
   <p:notesSz cx="6858000" cy="9144000"/>
@@ -292,7 +293,7 @@
           <a:p>
             <a:fld id="{530820CF-B880-4189-942D-D702A7CBA730}" type="datetimeFigureOut">
               <a:rPr lang="zh-CN" altLang="en-US" smtClean="0"/>
-              <a:t>2018/9/12</a:t>
+              <a:t>2018/9/13</a:t>
             </a:fld>
             <a:endParaRPr lang="zh-CN" altLang="en-US"/>
           </a:p>
@@ -457,7 +458,7 @@
           <a:p>
             <a:fld id="{530820CF-B880-4189-942D-D702A7CBA730}" type="datetimeFigureOut">
               <a:rPr lang="zh-CN" altLang="en-US" smtClean="0"/>
-              <a:t>2018/9/12</a:t>
+              <a:t>2018/9/13</a:t>
             </a:fld>
             <a:endParaRPr lang="zh-CN" altLang="en-US"/>
           </a:p>
@@ -632,7 +633,7 @@
           <a:p>
             <a:fld id="{530820CF-B880-4189-942D-D702A7CBA730}" type="datetimeFigureOut">
               <a:rPr lang="zh-CN" altLang="en-US" smtClean="0"/>
-              <a:t>2018/9/12</a:t>
+              <a:t>2018/9/13</a:t>
             </a:fld>
             <a:endParaRPr lang="zh-CN" altLang="en-US"/>
           </a:p>
@@ -797,7 +798,7 @@
           <a:p>
             <a:fld id="{530820CF-B880-4189-942D-D702A7CBA730}" type="datetimeFigureOut">
               <a:rPr lang="zh-CN" altLang="en-US" smtClean="0"/>
-              <a:t>2018/9/12</a:t>
+              <a:t>2018/9/13</a:t>
             </a:fld>
             <a:endParaRPr lang="zh-CN" altLang="en-US"/>
           </a:p>
@@ -1038,7 +1039,7 @@
           <a:p>
             <a:fld id="{530820CF-B880-4189-942D-D702A7CBA730}" type="datetimeFigureOut">
               <a:rPr lang="zh-CN" altLang="en-US" smtClean="0"/>
-              <a:t>2018/9/12</a:t>
+              <a:t>2018/9/13</a:t>
             </a:fld>
             <a:endParaRPr lang="zh-CN" altLang="en-US"/>
           </a:p>
@@ -1321,7 +1322,7 @@
           <a:p>
             <a:fld id="{530820CF-B880-4189-942D-D702A7CBA730}" type="datetimeFigureOut">
               <a:rPr lang="zh-CN" altLang="en-US" smtClean="0"/>
-              <a:t>2018/9/12</a:t>
+              <a:t>2018/9/13</a:t>
             </a:fld>
             <a:endParaRPr lang="zh-CN" altLang="en-US"/>
           </a:p>
@@ -1738,7 +1739,7 @@
           <a:p>
             <a:fld id="{530820CF-B880-4189-942D-D702A7CBA730}" type="datetimeFigureOut">
               <a:rPr lang="zh-CN" altLang="en-US" smtClean="0"/>
-              <a:t>2018/9/12</a:t>
+              <a:t>2018/9/13</a:t>
             </a:fld>
             <a:endParaRPr lang="zh-CN" altLang="en-US"/>
           </a:p>
@@ -1851,7 +1852,7 @@
           <a:p>
             <a:fld id="{530820CF-B880-4189-942D-D702A7CBA730}" type="datetimeFigureOut">
               <a:rPr lang="zh-CN" altLang="en-US" smtClean="0"/>
-              <a:t>2018/9/12</a:t>
+              <a:t>2018/9/13</a:t>
             </a:fld>
             <a:endParaRPr lang="zh-CN" altLang="en-US"/>
           </a:p>
@@ -1941,7 +1942,7 @@
           <a:p>
             <a:fld id="{530820CF-B880-4189-942D-D702A7CBA730}" type="datetimeFigureOut">
               <a:rPr lang="zh-CN" altLang="en-US" smtClean="0"/>
-              <a:t>2018/9/12</a:t>
+              <a:t>2018/9/13</a:t>
             </a:fld>
             <a:endParaRPr lang="zh-CN" altLang="en-US"/>
           </a:p>
@@ -2213,7 +2214,7 @@
           <a:p>
             <a:fld id="{530820CF-B880-4189-942D-D702A7CBA730}" type="datetimeFigureOut">
               <a:rPr lang="zh-CN" altLang="en-US" smtClean="0"/>
-              <a:t>2018/9/12</a:t>
+              <a:t>2018/9/13</a:t>
             </a:fld>
             <a:endParaRPr lang="zh-CN" altLang="en-US"/>
           </a:p>
@@ -2461,7 +2462,7 @@
           <a:p>
             <a:fld id="{530820CF-B880-4189-942D-D702A7CBA730}" type="datetimeFigureOut">
               <a:rPr lang="zh-CN" altLang="en-US" smtClean="0"/>
-              <a:t>2018/9/12</a:t>
+              <a:t>2018/9/13</a:t>
             </a:fld>
             <a:endParaRPr lang="zh-CN" altLang="en-US"/>
           </a:p>
@@ -2669,7 +2670,7 @@
           <a:p>
             <a:fld id="{530820CF-B880-4189-942D-D702A7CBA730}" type="datetimeFigureOut">
               <a:rPr lang="zh-CN" altLang="en-US" smtClean="0"/>
-              <a:t>2018/9/12</a:t>
+              <a:t>2018/9/13</a:t>
             </a:fld>
             <a:endParaRPr lang="zh-CN" altLang="en-US"/>
           </a:p>
@@ -3087,6 +3088,13 @@
   <p:clrMapOvr>
     <a:masterClrMapping/>
   </p:clrMapOvr>
+  <p:timing>
+    <p:tnLst>
+      <p:par>
+        <p:cTn id="1" dur="indefinite" restart="never" nodeType="tmRoot"/>
+      </p:par>
+    </p:tnLst>
+  </p:timing>
 </p:sld>
 </file>
 
@@ -3263,6 +3271,13 @@
   <p:clrMapOvr>
     <a:masterClrMapping/>
   </p:clrMapOvr>
+  <p:timing>
+    <p:tnLst>
+      <p:par>
+        <p:cTn id="1" dur="indefinite" restart="never" nodeType="tmRoot"/>
+      </p:par>
+    </p:tnLst>
+  </p:timing>
 </p:sld>
 </file>
 
@@ -3399,6 +3414,13 @@
   <p:clrMapOvr>
     <a:masterClrMapping/>
   </p:clrMapOvr>
+  <p:timing>
+    <p:tnLst>
+      <p:par>
+        <p:cTn id="1" dur="indefinite" restart="never" nodeType="tmRoot"/>
+      </p:par>
+    </p:tnLst>
+  </p:timing>
 </p:sld>
 </file>
 
@@ -3540,6 +3562,13 @@
   <p:clrMapOvr>
     <a:masterClrMapping/>
   </p:clrMapOvr>
+  <p:timing>
+    <p:tnLst>
+      <p:par>
+        <p:cTn id="1" dur="indefinite" restart="never" nodeType="tmRoot"/>
+      </p:par>
+    </p:tnLst>
+  </p:timing>
 </p:sld>
 </file>
 
@@ -3599,21 +3628,21 @@
           <a:lstStyle/>
           <a:p>
             <a:r>
-              <a:rPr lang="en-US" altLang="zh-CN">
+              <a:rPr lang="en-US" altLang="zh-CN" dirty="0">
                 <a:hlinkClick r:id="rId2"/>
               </a:rPr>
               <a:t>https://</a:t>
             </a:r>
             <a:r>
-              <a:rPr lang="en-US" altLang="zh-CN" smtClean="0">
+              <a:rPr lang="en-US" altLang="zh-CN" dirty="0" smtClean="0">
                 <a:hlinkClick r:id="rId2"/>
               </a:rPr>
               <a:t>www.crazygames.com/t/physics</a:t>
             </a:r>
-            <a:endParaRPr lang="en-US" altLang="zh-CN" smtClean="0"/>
-          </a:p>
-          <a:p>
-            <a:endParaRPr lang="zh-CN" altLang="en-US"/>
+            <a:endParaRPr lang="en-US" altLang="zh-CN" dirty="0" smtClean="0"/>
+          </a:p>
+          <a:p>
+            <a:endParaRPr lang="zh-CN" altLang="en-US" dirty="0"/>
           </a:p>
         </p:txBody>
       </p:sp>
@@ -3621,6 +3650,126 @@
     <p:extLst>
       <p:ext uri="{BB962C8B-B14F-4D97-AF65-F5344CB8AC3E}">
         <p14:creationId xmlns:p14="http://schemas.microsoft.com/office/powerpoint/2010/main" val="3297029357"/>
+      </p:ext>
+    </p:extLst>
+  </p:cSld>
+  <p:clrMapOvr>
+    <a:masterClrMapping/>
+  </p:clrMapOvr>
+  <p:timing>
+    <p:tnLst>
+      <p:par>
+        <p:cTn id="1" dur="indefinite" restart="never" nodeType="tmRoot"/>
+      </p:par>
+    </p:tnLst>
+  </p:timing>
+</p:sld>
+</file>
+
+<file path=ppt/slides/slide6.xml><?xml version="1.0" encoding="utf-8"?>
+<p:sld xmlns:a="http://schemas.openxmlformats.org/drawingml/2006/main" xmlns:r="http://schemas.openxmlformats.org/officeDocument/2006/relationships" xmlns:p="http://schemas.openxmlformats.org/presentationml/2006/main">
+  <p:cSld>
+    <p:spTree>
+      <p:nvGrpSpPr>
+        <p:cNvPr id="1" name=""/>
+        <p:cNvGrpSpPr/>
+        <p:nvPr/>
+      </p:nvGrpSpPr>
+      <p:grpSpPr>
+        <a:xfrm>
+          <a:off x="0" y="0"/>
+          <a:ext cx="0" cy="0"/>
+          <a:chOff x="0" y="0"/>
+          <a:chExt cx="0" cy="0"/>
+        </a:xfrm>
+      </p:grpSpPr>
+      <p:sp>
+        <p:nvSpPr>
+          <p:cNvPr id="2" name="标题 1"/>
+          <p:cNvSpPr>
+            <a:spLocks noGrp="1"/>
+          </p:cNvSpPr>
+          <p:nvPr>
+            <p:ph type="title"/>
+          </p:nvPr>
+        </p:nvSpPr>
+        <p:spPr/>
+        <p:txBody>
+          <a:bodyPr/>
+          <a:lstStyle/>
+          <a:p>
+            <a:r>
+              <a:rPr lang="zh-CN" altLang="en-US" dirty="0" smtClean="0"/>
+              <a:t>课程网站二维码</a:t>
+            </a:r>
+            <a:endParaRPr lang="zh-CN" altLang="en-US" dirty="0"/>
+          </a:p>
+        </p:txBody>
+      </p:sp>
+      <p:sp>
+        <p:nvSpPr>
+          <p:cNvPr id="3" name="内容占位符 2"/>
+          <p:cNvSpPr>
+            <a:spLocks noGrp="1"/>
+          </p:cNvSpPr>
+          <p:nvPr>
+            <p:ph idx="1"/>
+          </p:nvPr>
+        </p:nvSpPr>
+        <p:spPr/>
+        <p:txBody>
+          <a:bodyPr/>
+          <a:lstStyle/>
+          <a:p>
+            <a:endParaRPr lang="zh-CN" altLang="en-US"/>
+          </a:p>
+        </p:txBody>
+      </p:sp>
+      <p:pic>
+        <p:nvPicPr>
+          <p:cNvPr id="1026" name="Picture 2" descr="https://qr.api.cli.im/qr?data=https%253A%252F%252Fgithub.com%252Fhanhonglei%252FCourse_GamePhysics&amp;level=H&amp;transparent=false&amp;bgcolor=%23ffffff&amp;forecolor=%23000000&amp;blockpixel=12&amp;marginblock=1&amp;logourl=&amp;size=280&amp;kid=cliim&amp;key=f1db6c8c0f8c152caf659b97c2637e90"/>
+          <p:cNvPicPr>
+            <a:picLocks noChangeAspect="1" noChangeArrowheads="1"/>
+          </p:cNvPicPr>
+          <p:nvPr/>
+        </p:nvPicPr>
+        <p:blipFill>
+          <a:blip r:embed="rId2">
+            <a:extLst>
+              <a:ext uri="{28A0092B-C50C-407E-A947-70E740481C1C}">
+                <a14:useLocalDpi xmlns:a14="http://schemas.microsoft.com/office/drawing/2010/main" val="0"/>
+              </a:ext>
+            </a:extLst>
+          </a:blip>
+          <a:srcRect/>
+          <a:stretch>
+            <a:fillRect/>
+          </a:stretch>
+        </p:blipFill>
+        <p:spPr bwMode="auto">
+          <a:xfrm>
+            <a:off x="3203848" y="2564904"/>
+            <a:ext cx="2667000" cy="2667000"/>
+          </a:xfrm>
+          <a:prstGeom prst="rect">
+            <a:avLst/>
+          </a:prstGeom>
+          <a:noFill/>
+          <a:extLst>
+            <a:ext uri="{909E8E84-426E-40DD-AFC4-6F175D3DCCD1}">
+              <a14:hiddenFill xmlns:a14="http://schemas.microsoft.com/office/drawing/2010/main">
+                <a:solidFill>
+                  <a:srgbClr val="FFFFFF"/>
+                </a:solidFill>
+              </a14:hiddenFill>
+            </a:ext>
+          </a:extLst>
+        </p:spPr>
+      </p:pic>
+    </p:spTree>
+    <p:extLst>
+      <p:ext uri="{BB962C8B-B14F-4D97-AF65-F5344CB8AC3E}">
+        <p14:creationId xmlns:p14="http://schemas.microsoft.com/office/powerpoint/2010/main" val="2250446374"/>
       </p:ext>
     </p:extLst>
   </p:cSld>
